--- a/week9/day4/theory/Machine Learning - Concepts v3.pptx
+++ b/week9/day4/theory/Machine Learning - Concepts v3.pptx
@@ -221,7 +221,7 @@
           <a:p>
             <a:fld id="{CBC3D06E-D880-4630-85C6-508F7CA16EC0}" type="datetimeFigureOut">
               <a:rPr lang="es-ES" smtClean="0"/>
-              <a:t>09/09/2020</a:t>
+              <a:t>10/09/2020</a:t>
             </a:fld>
             <a:endParaRPr lang="es-ES"/>
           </a:p>
@@ -1061,7 +1061,7 @@
             <a:fld id="{1E700B27-DE4C-4B9E-BB11-B9027034A00F}" type="datetimeFigureOut">
               <a:rPr lang="en-US" smtClean="0"/>
               <a:pPr/>
-              <a:t>9/9/2020</a:t>
+              <a:t>9/10/2020</a:t>
             </a:fld>
             <a:endParaRPr lang="en-US" dirty="0"/>
           </a:p>
@@ -1232,7 +1232,7 @@
           <a:p>
             <a:fld id="{80DBE609-F3F2-45E6-BD6A-E03A8C86C1AE}" type="datetimeFigureOut">
               <a:rPr lang="en-US" smtClean="0"/>
-              <a:t>9/9/2020</a:t>
+              <a:t>9/10/2020</a:t>
             </a:fld>
             <a:endParaRPr lang="en-US" dirty="0"/>
           </a:p>
@@ -1413,7 +1413,7 @@
           <a:p>
             <a:fld id="{7A24AD68-089C-4467-A8F3-EA2BBCA6B44E}" type="datetimeFigureOut">
               <a:rPr lang="en-US" smtClean="0"/>
-              <a:t>9/9/2020</a:t>
+              <a:t>9/10/2020</a:t>
             </a:fld>
             <a:endParaRPr lang="en-US" dirty="0"/>
           </a:p>
@@ -1584,7 +1584,7 @@
           <a:p>
             <a:fld id="{75C51FCE-E4BB-4680-8E50-3C0E348D2609}" type="datetimeFigureOut">
               <a:rPr lang="en-US" smtClean="0"/>
-              <a:t>9/9/2020</a:t>
+              <a:t>9/10/2020</a:t>
             </a:fld>
             <a:endParaRPr lang="en-US" dirty="0"/>
           </a:p>
@@ -1831,7 +1831,7 @@
           <a:p>
             <a:fld id="{8AAA073D-A903-47F8-8D16-77642FB0DF1F}" type="datetimeFigureOut">
               <a:rPr lang="en-US" smtClean="0"/>
-              <a:t>9/9/2020</a:t>
+              <a:t>9/10/2020</a:t>
             </a:fld>
             <a:endParaRPr lang="en-US" dirty="0"/>
           </a:p>
@@ -2064,7 +2064,7 @@
           <a:p>
             <a:fld id="{AB91FA40-626B-4CA1-85D0-7A9016E395BA}" type="datetimeFigureOut">
               <a:rPr lang="en-US" smtClean="0"/>
-              <a:t>9/9/2020</a:t>
+              <a:t>9/10/2020</a:t>
             </a:fld>
             <a:endParaRPr lang="en-US" dirty="0"/>
           </a:p>
@@ -2432,7 +2432,7 @@
           <a:p>
             <a:fld id="{C3F425EA-B9DC-48A7-991E-9A82573B1B21}" type="datetimeFigureOut">
               <a:rPr lang="en-US" smtClean="0"/>
-              <a:t>9/9/2020</a:t>
+              <a:t>9/10/2020</a:t>
             </a:fld>
             <a:endParaRPr lang="en-US" dirty="0"/>
           </a:p>
@@ -2551,7 +2551,7 @@
           <a:p>
             <a:fld id="{66CB97F8-6CEB-469B-AFCC-889F2A2B1D5A}" type="datetimeFigureOut">
               <a:rPr lang="en-US" smtClean="0"/>
-              <a:t>9/9/2020</a:t>
+              <a:t>9/10/2020</a:t>
             </a:fld>
             <a:endParaRPr lang="en-US" dirty="0"/>
           </a:p>
@@ -2647,7 +2647,7 @@
           <a:p>
             <a:fld id="{8FA9179F-009E-4FA5-B091-7EBB82A185BD}" type="datetimeFigureOut">
               <a:rPr lang="en-US" smtClean="0"/>
-              <a:t>9/9/2020</a:t>
+              <a:t>9/10/2020</a:t>
             </a:fld>
             <a:endParaRPr lang="en-US" dirty="0"/>
           </a:p>
@@ -2925,7 +2925,7 @@
           <a:p>
             <a:fld id="{8E665CEB-0076-4E37-B880-BCEA9784DE0A}" type="datetimeFigureOut">
               <a:rPr lang="en-US" smtClean="0"/>
-              <a:t>9/9/2020</a:t>
+              <a:t>9/10/2020</a:t>
             </a:fld>
             <a:endParaRPr lang="en-US" dirty="0"/>
           </a:p>
@@ -3183,7 +3183,7 @@
           <a:p>
             <a:fld id="{A6149E5E-3896-4118-99A7-7B85668F1C5E}" type="datetimeFigureOut">
               <a:rPr lang="en-US" smtClean="0"/>
-              <a:t>9/9/2020</a:t>
+              <a:t>9/10/2020</a:t>
             </a:fld>
             <a:endParaRPr lang="en-US" dirty="0"/>
           </a:p>
@@ -3397,7 +3397,7 @@
           <a:p>
             <a:fld id="{7E0D914D-B099-4142-A885-11F276715148}" type="datetimeFigureOut">
               <a:rPr lang="en-US" smtClean="0"/>
-              <a:t>9/9/2020</a:t>
+              <a:t>9/10/2020</a:t>
             </a:fld>
             <a:endParaRPr lang="en-US" dirty="0"/>
           </a:p>
